--- a/devops-playground-cypress.pptx
+++ b/devops-playground-cypress.pptx
@@ -223,7 +223,7 @@
           <a:p>
             <a:fld id="{7896155C-ACE3-414D-AF5A-75D15606DA80}" type="datetimeFigureOut">
               <a:rPr lang="en-US" smtClean="0"/>
-              <a:t>11/6/18</a:t>
+              <a:t>11/7/18</a:t>
             </a:fld>
             <a:endParaRPr lang="en-US"/>
           </a:p>
@@ -4848,19 +4848,19 @@
               <a:t>Name: </a:t>
             </a:r>
             <a:r>
-              <a:rPr lang="en-US" sz="2800" b="1" dirty="0"/>
-              <a:t>ECS Hotspot</a:t>
+              <a:rPr lang="en-US" sz="2800" b="1" dirty="0" err="1"/>
+              <a:t>DevOpsPlayground</a:t>
             </a:r>
             <a:br>
               <a:rPr lang="en-GB" dirty="0"/>
             </a:br>
+            <a:endParaRPr lang="en-GB" dirty="0"/>
+          </a:p>
+          <a:p>
+            <a:pPr lvl="1"/>
             <a:r>
               <a:rPr lang="en-GB" dirty="0"/>
-              <a:t>Password:</a:t>
-            </a:r>
-            <a:r>
-              <a:rPr lang="en-US" sz="2800" b="1" dirty="0"/>
-              <a:t> entry-ind2x&amp;creed=blade</a:t>
+              <a:t>*Sign up with your name and email</a:t>
             </a:r>
             <a:endParaRPr lang="en-US" dirty="0"/>
           </a:p>
@@ -7841,10 +7841,10 @@
               <a:t>Link: </a:t>
             </a:r>
             <a:r>
-              <a:rPr lang="en-US" sz="3200" b="1" dirty="0">
+              <a:rPr lang="en-GB" b="1" u="sng" dirty="0">
                 <a:hlinkClick r:id="rId2"/>
               </a:rPr>
-              <a:t>http://34.242.6.146:8088/guacamole</a:t>
+              <a:t>https://rdp.devopsplayground.com/#/</a:t>
             </a:r>
             <a:endParaRPr lang="en-US" sz="3200" b="1" dirty="0"/>
           </a:p>
@@ -9535,18 +9535,18 @@
 </file>
 
 <file path=customXml/item2.xml><?xml version="1.0" encoding="utf-8"?>
+<p:properties xmlns:p="http://schemas.microsoft.com/office/2006/metadata/properties" xmlns:xsi="http://www.w3.org/2001/XMLSchema-instance" xmlns:pc="http://schemas.microsoft.com/office/infopath/2007/PartnerControls">
+  <documentManagement/>
+</p:properties>
+</file>
+
+<file path=customXml/item3.xml><?xml version="1.0" encoding="utf-8"?>
 <?mso-contentType ?>
 <FormTemplates xmlns="http://schemas.microsoft.com/sharepoint/v3/contenttype/forms">
   <Display>DocumentLibraryForm</Display>
   <Edit>DocumentLibraryForm</Edit>
   <New>DocumentLibraryForm</New>
 </FormTemplates>
-</file>
-
-<file path=customXml/item3.xml><?xml version="1.0" encoding="utf-8"?>
-<p:properties xmlns:p="http://schemas.microsoft.com/office/2006/metadata/properties" xmlns:xsi="http://www.w3.org/2001/XMLSchema-instance" xmlns:pc="http://schemas.microsoft.com/office/infopath/2007/PartnerControls">
-  <documentManagement/>
-</p:properties>
 </file>
 
 <file path=customXml/itemProps1.xml><?xml version="1.0" encoding="utf-8"?>
@@ -9569,18 +9569,18 @@
 </file>
 
 <file path=customXml/itemProps2.xml><?xml version="1.0" encoding="utf-8"?>
-<ds:datastoreItem xmlns:ds="http://schemas.openxmlformats.org/officeDocument/2006/customXml" ds:itemID="{40902662-26C2-4821-A231-BAF4C199D77B}">
-  <ds:schemaRefs>
-    <ds:schemaRef ds:uri="http://schemas.microsoft.com/sharepoint/v3/contenttype/forms"/>
-  </ds:schemaRefs>
-</ds:datastoreItem>
-</file>
-
-<file path=customXml/itemProps3.xml><?xml version="1.0" encoding="utf-8"?>
 <ds:datastoreItem xmlns:ds="http://schemas.openxmlformats.org/officeDocument/2006/customXml" ds:itemID="{0945FB79-9F84-4AA7-8515-C81FE5A311BA}">
   <ds:schemaRefs>
     <ds:schemaRef ds:uri="http://schemas.microsoft.com/office/2006/metadata/properties"/>
     <ds:schemaRef ds:uri="http://schemas.microsoft.com/office/infopath/2007/PartnerControls"/>
   </ds:schemaRefs>
 </ds:datastoreItem>
+</file>
+
+<file path=customXml/itemProps3.xml><?xml version="1.0" encoding="utf-8"?>
+<ds:datastoreItem xmlns:ds="http://schemas.openxmlformats.org/officeDocument/2006/customXml" ds:itemID="{40902662-26C2-4821-A231-BAF4C199D77B}">
+  <ds:schemaRefs>
+    <ds:schemaRef ds:uri="http://schemas.microsoft.com/sharepoint/v3/contenttype/forms"/>
+  </ds:schemaRefs>
+</ds:datastoreItem>
 </file>
--- a/devops-playground-cypress.pptx
+++ b/devops-playground-cypress.pptx
@@ -223,7 +223,7 @@
           <a:p>
             <a:fld id="{7896155C-ACE3-414D-AF5A-75D15606DA80}" type="datetimeFigureOut">
               <a:rPr lang="en-US" smtClean="0"/>
-              <a:t>11/7/18</a:t>
+              <a:t>1/31/19</a:t>
             </a:fld>
             <a:endParaRPr lang="en-US"/>
           </a:p>
@@ -636,36 +636,7 @@
           <a:bodyPr/>
           <a:lstStyle/>
           <a:p>
-            <a:r>
-              <a:rPr lang="en-US" dirty="0"/>
-              <a:t>Cypress is bundled with all other types of packages useful for testing.</a:t>
-            </a:r>
-          </a:p>
-          <a:p>
             <a:endParaRPr lang="en-US" dirty="0"/>
-          </a:p>
-          <a:p>
-            <a:r>
-              <a:rPr lang="en-US" dirty="0"/>
-              <a:t>Before Cypress, you ideally need to install other packages such as mocha, chai, selenium, </a:t>
-            </a:r>
-            <a:r>
-              <a:rPr lang="en-US" dirty="0" err="1"/>
-              <a:t>wdio</a:t>
-            </a:r>
-            <a:r>
-              <a:rPr lang="en-US" dirty="0"/>
-              <a:t>.</a:t>
-            </a:r>
-          </a:p>
-          <a:p>
-            <a:endParaRPr lang="en-US" dirty="0"/>
-          </a:p>
-          <a:p>
-            <a:r>
-              <a:rPr lang="en-US" dirty="0"/>
-              <a:t>With cypress, everything that you need to start off writing automated tests is already bundled.</a:t>
-            </a:r>
           </a:p>
         </p:txBody>
       </p:sp>
@@ -686,7 +657,7 @@
           <a:p>
             <a:fld id="{C66B9E95-17F1-DB48-B8CE-26D6388D5C52}" type="slidenum">
               <a:rPr lang="en-US" smtClean="0"/>
-              <a:t>15</a:t>
+              <a:t>14</a:t>
             </a:fld>
             <a:endParaRPr lang="en-US"/>
           </a:p>
@@ -695,7 +666,7 @@
     </p:spTree>
     <p:extLst>
       <p:ext uri="{BB962C8B-B14F-4D97-AF65-F5344CB8AC3E}">
-        <p14:creationId xmlns:p14="http://schemas.microsoft.com/office/powerpoint/2010/main" val="2372697017"/>
+        <p14:creationId xmlns:p14="http://schemas.microsoft.com/office/powerpoint/2010/main" val="782520079"/>
       </p:ext>
     </p:extLst>
   </p:cSld>
@@ -749,7 +720,36 @@
           <a:bodyPr/>
           <a:lstStyle/>
           <a:p>
+            <a:r>
+              <a:rPr lang="en-US" dirty="0"/>
+              <a:t>Cypress is bundled with all other types of packages useful for testing.</a:t>
+            </a:r>
+          </a:p>
+          <a:p>
             <a:endParaRPr lang="en-US" dirty="0"/>
+          </a:p>
+          <a:p>
+            <a:r>
+              <a:rPr lang="en-US" dirty="0"/>
+              <a:t>Before Cypress, you ideally need to install other packages such as mocha, chai, selenium, </a:t>
+            </a:r>
+            <a:r>
+              <a:rPr lang="en-US" dirty="0" err="1"/>
+              <a:t>wdio</a:t>
+            </a:r>
+            <a:r>
+              <a:rPr lang="en-US" dirty="0"/>
+              <a:t>.</a:t>
+            </a:r>
+          </a:p>
+          <a:p>
+            <a:endParaRPr lang="en-US" dirty="0"/>
+          </a:p>
+          <a:p>
+            <a:r>
+              <a:rPr lang="en-US" dirty="0"/>
+              <a:t>With cypress, everything that you need to start off writing automated tests is already bundled.</a:t>
+            </a:r>
           </a:p>
         </p:txBody>
       </p:sp>
@@ -770,7 +770,7 @@
           <a:p>
             <a:fld id="{C66B9E95-17F1-DB48-B8CE-26D6388D5C52}" type="slidenum">
               <a:rPr lang="en-US" smtClean="0"/>
-              <a:t>16</a:t>
+              <a:t>15</a:t>
             </a:fld>
             <a:endParaRPr lang="en-US"/>
           </a:p>
@@ -779,7 +779,7 @@
     </p:spTree>
     <p:extLst>
       <p:ext uri="{BB962C8B-B14F-4D97-AF65-F5344CB8AC3E}">
-        <p14:creationId xmlns:p14="http://schemas.microsoft.com/office/powerpoint/2010/main" val="3771048410"/>
+        <p14:creationId xmlns:p14="http://schemas.microsoft.com/office/powerpoint/2010/main" val="2372697017"/>
       </p:ext>
     </p:extLst>
   </p:cSld>
@@ -854,6 +854,90 @@
           <a:p>
             <a:fld id="{C66B9E95-17F1-DB48-B8CE-26D6388D5C52}" type="slidenum">
               <a:rPr lang="en-US" smtClean="0"/>
+              <a:t>16</a:t>
+            </a:fld>
+            <a:endParaRPr lang="en-US"/>
+          </a:p>
+        </p:txBody>
+      </p:sp>
+    </p:spTree>
+    <p:extLst>
+      <p:ext uri="{BB962C8B-B14F-4D97-AF65-F5344CB8AC3E}">
+        <p14:creationId xmlns:p14="http://schemas.microsoft.com/office/powerpoint/2010/main" val="3771048410"/>
+      </p:ext>
+    </p:extLst>
+  </p:cSld>
+  <p:clrMapOvr>
+    <a:masterClrMapping/>
+  </p:clrMapOvr>
+</p:notes>
+</file>
+
+<file path=ppt/notesSlides/notesSlide13.xml><?xml version="1.0" encoding="utf-8"?>
+<p:notes xmlns:a="http://schemas.openxmlformats.org/drawingml/2006/main" xmlns:r="http://schemas.openxmlformats.org/officeDocument/2006/relationships" xmlns:p="http://schemas.openxmlformats.org/presentationml/2006/main">
+  <p:cSld>
+    <p:spTree>
+      <p:nvGrpSpPr>
+        <p:cNvPr id="1" name=""/>
+        <p:cNvGrpSpPr/>
+        <p:nvPr/>
+      </p:nvGrpSpPr>
+      <p:grpSpPr>
+        <a:xfrm>
+          <a:off x="0" y="0"/>
+          <a:ext cx="0" cy="0"/>
+          <a:chOff x="0" y="0"/>
+          <a:chExt cx="0" cy="0"/>
+        </a:xfrm>
+      </p:grpSpPr>
+      <p:sp>
+        <p:nvSpPr>
+          <p:cNvPr id="2" name="Slide Image Placeholder 1"/>
+          <p:cNvSpPr>
+            <a:spLocks noGrp="1" noRot="1" noChangeAspect="1"/>
+          </p:cNvSpPr>
+          <p:nvPr>
+            <p:ph type="sldImg"/>
+          </p:nvPr>
+        </p:nvSpPr>
+        <p:spPr/>
+      </p:sp>
+      <p:sp>
+        <p:nvSpPr>
+          <p:cNvPr id="3" name="Notes Placeholder 2"/>
+          <p:cNvSpPr>
+            <a:spLocks noGrp="1"/>
+          </p:cNvSpPr>
+          <p:nvPr>
+            <p:ph type="body" idx="1"/>
+          </p:nvPr>
+        </p:nvSpPr>
+        <p:spPr/>
+        <p:txBody>
+          <a:bodyPr/>
+          <a:lstStyle/>
+          <a:p>
+            <a:endParaRPr lang="en-US" dirty="0"/>
+          </a:p>
+        </p:txBody>
+      </p:sp>
+      <p:sp>
+        <p:nvSpPr>
+          <p:cNvPr id="4" name="Slide Number Placeholder 3"/>
+          <p:cNvSpPr>
+            <a:spLocks noGrp="1"/>
+          </p:cNvSpPr>
+          <p:nvPr>
+            <p:ph type="sldNum" sz="quarter" idx="5"/>
+          </p:nvPr>
+        </p:nvSpPr>
+        <p:spPr/>
+        <p:txBody>
+          <a:bodyPr/>
+          <a:lstStyle/>
+          <a:p>
+            <a:fld id="{C66B9E95-17F1-DB48-B8CE-26D6388D5C52}" type="slidenum">
+              <a:rPr lang="en-US" smtClean="0"/>
               <a:t>17</a:t>
             </a:fld>
             <a:endParaRPr lang="en-US"/>
@@ -873,7 +957,7 @@
 </p:notes>
 </file>
 
-<file path=ppt/notesSlides/notesSlide13.xml><?xml version="1.0" encoding="utf-8"?>
+<file path=ppt/notesSlides/notesSlide14.xml><?xml version="1.0" encoding="utf-8"?>
 <p:notes xmlns:a="http://schemas.openxmlformats.org/drawingml/2006/main" xmlns:r="http://schemas.openxmlformats.org/officeDocument/2006/relationships" xmlns:p="http://schemas.openxmlformats.org/presentationml/2006/main">
   <p:cSld>
     <p:spTree>
@@ -1795,7 +1879,7 @@
             </a:pPr>
             <a:r>
               <a:rPr lang="en-US" dirty="0"/>
-              <a:t>More and more companies are introducing Cypress in their development workflow. As of now, there are more than 135,000 weekly downloads</a:t>
+              <a:t>More and more companies are introducing Cypress in their development workflow. As of now, there are more than 240,000 weekly downloads</a:t>
             </a:r>
           </a:p>
           <a:p>
@@ -1885,14 +1969,22 @@
           <a:p>
             <a:r>
               <a:rPr lang="en-US" dirty="0"/>
-              <a:t>Force click event – if your app has a CSS animation which requires you to hover on an element before clicking, Cypress can allow you to force click the element instead</a:t>
-            </a:r>
-          </a:p>
-          <a:p>
-            <a:endParaRPr lang="en-US" dirty="0"/>
-          </a:p>
-          <a:p>
-            <a:endParaRPr lang="en-US" dirty="0"/>
+              <a:t>Unit testing – there is a plugin `cypress-react-unit-test` which contains helper methods to write unit tests for your React components</a:t>
+            </a:r>
+          </a:p>
+          <a:p>
+            <a:r>
+              <a:rPr lang="en-US" dirty="0"/>
+              <a:t>Integration testing – cypress has a built in .request() method which can trigger </a:t>
+            </a:r>
+            <a:r>
+              <a:rPr lang="en-US" dirty="0" err="1"/>
+              <a:t>api</a:t>
+            </a:r>
+            <a:r>
+              <a:rPr lang="en-US" dirty="0"/>
+              <a:t> calls</a:t>
+            </a:r>
           </a:p>
         </p:txBody>
       </p:sp>
@@ -1913,7 +2005,7 @@
           <a:p>
             <a:fld id="{C66B9E95-17F1-DB48-B8CE-26D6388D5C52}" type="slidenum">
               <a:rPr lang="en-US" smtClean="0"/>
-              <a:t>13</a:t>
+              <a:t>12</a:t>
             </a:fld>
             <a:endParaRPr lang="en-US"/>
           </a:p>
@@ -1922,7 +2014,7 @@
     </p:spTree>
     <p:extLst>
       <p:ext uri="{BB962C8B-B14F-4D97-AF65-F5344CB8AC3E}">
-        <p14:creationId xmlns:p14="http://schemas.microsoft.com/office/powerpoint/2010/main" val="2999227387"/>
+        <p14:creationId xmlns:p14="http://schemas.microsoft.com/office/powerpoint/2010/main" val="2454626700"/>
       </p:ext>
     </p:extLst>
   </p:cSld>
@@ -1976,6 +2068,15 @@
           <a:bodyPr/>
           <a:lstStyle/>
           <a:p>
+            <a:r>
+              <a:rPr lang="en-US" dirty="0"/>
+              <a:t>Force click event – if your app has a CSS animation which requires you to hover on an element before clicking, Cypress can allow you to force click the element instead</a:t>
+            </a:r>
+          </a:p>
+          <a:p>
+            <a:endParaRPr lang="en-US" dirty="0"/>
+          </a:p>
+          <a:p>
             <a:endParaRPr lang="en-US" dirty="0"/>
           </a:p>
         </p:txBody>
@@ -1997,7 +2098,7 @@
           <a:p>
             <a:fld id="{C66B9E95-17F1-DB48-B8CE-26D6388D5C52}" type="slidenum">
               <a:rPr lang="en-US" smtClean="0"/>
-              <a:t>14</a:t>
+              <a:t>13</a:t>
             </a:fld>
             <a:endParaRPr lang="en-US"/>
           </a:p>
@@ -2006,7 +2107,7 @@
     </p:spTree>
     <p:extLst>
       <p:ext uri="{BB962C8B-B14F-4D97-AF65-F5344CB8AC3E}">
-        <p14:creationId xmlns:p14="http://schemas.microsoft.com/office/powerpoint/2010/main" val="782520079"/>
+        <p14:creationId xmlns:p14="http://schemas.microsoft.com/office/powerpoint/2010/main" val="2999227387"/>
       </p:ext>
     </p:extLst>
   </p:cSld>
@@ -4840,29 +4941,6 @@
               <a:rPr lang="en-US" dirty="0"/>
               <a:t>WIFI Details:</a:t>
             </a:r>
-          </a:p>
-          <a:p>
-            <a:pPr lvl="1"/>
-            <a:r>
-              <a:rPr lang="en-GB" dirty="0"/>
-              <a:t>Name: </a:t>
-            </a:r>
-            <a:r>
-              <a:rPr lang="en-US" sz="2800" b="1" dirty="0" err="1"/>
-              <a:t>DevOpsPlayground</a:t>
-            </a:r>
-            <a:br>
-              <a:rPr lang="en-GB" dirty="0"/>
-            </a:br>
-            <a:endParaRPr lang="en-GB" dirty="0"/>
-          </a:p>
-          <a:p>
-            <a:pPr lvl="1"/>
-            <a:r>
-              <a:rPr lang="en-GB" dirty="0"/>
-              <a:t>*Sign up with your name and email</a:t>
-            </a:r>
-            <a:endParaRPr lang="en-US" dirty="0"/>
           </a:p>
           <a:p>
             <a:pPr lvl="1"/>
@@ -8301,7 +8379,7 @@
             </a:pPr>
             <a:r>
               <a:rPr lang="en-US" dirty="0"/>
-              <a:t>Full time mum to a 21 month old</a:t>
+              <a:t>Full time mum</a:t>
             </a:r>
           </a:p>
           <a:p>
@@ -9344,6 +9422,12 @@
 </file>
 
 <file path=customXml/item1.xml><?xml version="1.0" encoding="utf-8"?>
+<p:properties xmlns:p="http://schemas.microsoft.com/office/2006/metadata/properties" xmlns:xsi="http://www.w3.org/2001/XMLSchema-instance" xmlns:pc="http://schemas.microsoft.com/office/infopath/2007/PartnerControls">
+  <documentManagement/>
+</p:properties>
+</file>
+
+<file path=customXml/item2.xml><?xml version="1.0" encoding="utf-8"?>
 <ct:contentTypeSchema xmlns:ct="http://schemas.microsoft.com/office/2006/metadata/contentType" xmlns:ma="http://schemas.microsoft.com/office/2006/metadata/properties/metaAttributes" ct:_="" ma:_="" ma:contentTypeName="Document" ma:contentTypeID="0x010100D67A8D7100BE1A4DBE5D35E4C27C16DF" ma:contentTypeVersion="8" ma:contentTypeDescription="Create a new document." ma:contentTypeScope="" ma:versionID="59dee0e2bd9e48803c790b78321a0573">
   <xsd:schema xmlns:xsd="http://www.w3.org/2001/XMLSchema" xmlns:xs="http://www.w3.org/2001/XMLSchema" xmlns:p="http://schemas.microsoft.com/office/2006/metadata/properties" xmlns:ns2="a390b70a-8322-41bb-bb35-991e0080501f" xmlns:ns3="56af8464-4a6e-4603-856d-639ee6c6544c" targetNamespace="http://schemas.microsoft.com/office/2006/metadata/properties" ma:root="true" ma:fieldsID="60b2b25d23e69278898d9f001339b4ab" ns2:_="" ns3:_="">
     <xsd:import namespace="a390b70a-8322-41bb-bb35-991e0080501f"/>
@@ -9534,12 +9618,6 @@
 </ct:contentTypeSchema>
 </file>
 
-<file path=customXml/item2.xml><?xml version="1.0" encoding="utf-8"?>
-<p:properties xmlns:p="http://schemas.microsoft.com/office/2006/metadata/properties" xmlns:xsi="http://www.w3.org/2001/XMLSchema-instance" xmlns:pc="http://schemas.microsoft.com/office/infopath/2007/PartnerControls">
-  <documentManagement/>
-</p:properties>
-</file>
-
 <file path=customXml/item3.xml><?xml version="1.0" encoding="utf-8"?>
 <?mso-contentType ?>
 <FormTemplates xmlns="http://schemas.microsoft.com/sharepoint/v3/contenttype/forms">
@@ -9550,6 +9628,15 @@
 </file>
 
 <file path=customXml/itemProps1.xml><?xml version="1.0" encoding="utf-8"?>
+<ds:datastoreItem xmlns:ds="http://schemas.openxmlformats.org/officeDocument/2006/customXml" ds:itemID="{0945FB79-9F84-4AA7-8515-C81FE5A311BA}">
+  <ds:schemaRefs>
+    <ds:schemaRef ds:uri="http://schemas.microsoft.com/office/2006/metadata/properties"/>
+    <ds:schemaRef ds:uri="http://schemas.microsoft.com/office/infopath/2007/PartnerControls"/>
+  </ds:schemaRefs>
+</ds:datastoreItem>
+</file>
+
+<file path=customXml/itemProps2.xml><?xml version="1.0" encoding="utf-8"?>
 <ds:datastoreItem xmlns:ds="http://schemas.openxmlformats.org/officeDocument/2006/customXml" ds:itemID="{85A9C6F3-BDF4-44D8-96BD-CF344EA47B3C}">
   <ds:schemaRefs>
     <ds:schemaRef ds:uri="http://schemas.microsoft.com/office/2006/metadata/contentType"/>
@@ -9568,15 +9655,6 @@
 </ds:datastoreItem>
 </file>
 
-<file path=customXml/itemProps2.xml><?xml version="1.0" encoding="utf-8"?>
-<ds:datastoreItem xmlns:ds="http://schemas.openxmlformats.org/officeDocument/2006/customXml" ds:itemID="{0945FB79-9F84-4AA7-8515-C81FE5A311BA}">
-  <ds:schemaRefs>
-    <ds:schemaRef ds:uri="http://schemas.microsoft.com/office/2006/metadata/properties"/>
-    <ds:schemaRef ds:uri="http://schemas.microsoft.com/office/infopath/2007/PartnerControls"/>
-  </ds:schemaRefs>
-</ds:datastoreItem>
-</file>
-
 <file path=customXml/itemProps3.xml><?xml version="1.0" encoding="utf-8"?>
 <ds:datastoreItem xmlns:ds="http://schemas.openxmlformats.org/officeDocument/2006/customXml" ds:itemID="{40902662-26C2-4821-A231-BAF4C199D77B}">
   <ds:schemaRefs>
